--- a/meetings/20251006/presentation.pptx
+++ b/meetings/20251006/presentation.pptx
@@ -3637,7 +3637,7 @@
                 <a:ea typeface="Helvetica Neue Light" panose="02000403000000020004" pitchFamily="2" charset="0"/>
                 <a:cs typeface="Helvetica Neue" panose="02000503000000020004" pitchFamily="2" charset="0"/>
               </a:rPr>
-              <a:t>Submitted – awaiting editorial decision</a:t>
+              <a:t>Under review</a:t>
             </a:r>
             <a:br>
               <a:rPr lang="en-IN" sz="1200" dirty="0">
